--- a/Commuting_and_Working_InformationCheck/res/Domain_Model.pptx
+++ b/Commuting_and_Working_InformationCheck/res/Domain_Model.pptx
@@ -3329,10 +3329,10 @@
       </p:grpSpPr>
       <p:grpSp>
         <p:nvGrpSpPr>
-          <p:cNvPr id="111" name="그룹 110">
-            <a:extLst>
-              <a:ext uri="{FF2B5EF4-FFF2-40B4-BE49-F238E27FC236}">
-                <a16:creationId xmlns:a16="http://schemas.microsoft.com/office/drawing/2014/main" id="{E58BFE79-5A9C-4665-8DED-B2B5236F2E11}"/>
+          <p:cNvPr id="2" name="그룹 1">
+            <a:extLst>
+              <a:ext uri="{FF2B5EF4-FFF2-40B4-BE49-F238E27FC236}">
+                <a16:creationId xmlns:a16="http://schemas.microsoft.com/office/drawing/2014/main" id="{3429D32D-C0E5-42AC-B3C8-24B104042E82}"/>
               </a:ext>
             </a:extLst>
           </p:cNvPr>
@@ -4463,7 +4463,7 @@
             <a:p>
               <a:r>
                 <a:rPr lang="ko-KR" altLang="en-US" sz="1100" dirty="0"/>
-                <a:t>입력 허가</a:t>
+                <a:t>◀입력 허가</a:t>
               </a:r>
               <a:r>
                 <a:rPr lang="en-US" altLang="ko-KR" sz="1100" dirty="0"/>
@@ -4471,7 +4471,7 @@
               </a:r>
               <a:r>
                 <a:rPr lang="ko-KR" altLang="en-US" sz="1100" dirty="0"/>
-                <a:t>제한▶</a:t>
+                <a:t>제한</a:t>
               </a:r>
             </a:p>
           </p:txBody>

--- a/Commuting_and_Working_InformationCheck/res/Domain_Model.pptx
+++ b/Commuting_and_Working_InformationCheck/res/Domain_Model.pptx
@@ -260,7 +260,7 @@
           <a:p>
             <a:fld id="{B40BB30E-8954-4CDA-8586-BF53F177F5A6}" type="datetimeFigureOut">
               <a:rPr lang="ko-KR" altLang="en-US" smtClean="0"/>
-              <a:t>2021-04-23</a:t>
+              <a:t>2021-04-24</a:t>
             </a:fld>
             <a:endParaRPr lang="ko-KR" altLang="en-US"/>
           </a:p>
@@ -458,7 +458,7 @@
           <a:p>
             <a:fld id="{B40BB30E-8954-4CDA-8586-BF53F177F5A6}" type="datetimeFigureOut">
               <a:rPr lang="ko-KR" altLang="en-US" smtClean="0"/>
-              <a:t>2021-04-23</a:t>
+              <a:t>2021-04-24</a:t>
             </a:fld>
             <a:endParaRPr lang="ko-KR" altLang="en-US"/>
           </a:p>
@@ -666,7 +666,7 @@
           <a:p>
             <a:fld id="{B40BB30E-8954-4CDA-8586-BF53F177F5A6}" type="datetimeFigureOut">
               <a:rPr lang="ko-KR" altLang="en-US" smtClean="0"/>
-              <a:t>2021-04-23</a:t>
+              <a:t>2021-04-24</a:t>
             </a:fld>
             <a:endParaRPr lang="ko-KR" altLang="en-US"/>
           </a:p>
@@ -864,7 +864,7 @@
           <a:p>
             <a:fld id="{B40BB30E-8954-4CDA-8586-BF53F177F5A6}" type="datetimeFigureOut">
               <a:rPr lang="ko-KR" altLang="en-US" smtClean="0"/>
-              <a:t>2021-04-23</a:t>
+              <a:t>2021-04-24</a:t>
             </a:fld>
             <a:endParaRPr lang="ko-KR" altLang="en-US"/>
           </a:p>
@@ -1139,7 +1139,7 @@
           <a:p>
             <a:fld id="{B40BB30E-8954-4CDA-8586-BF53F177F5A6}" type="datetimeFigureOut">
               <a:rPr lang="ko-KR" altLang="en-US" smtClean="0"/>
-              <a:t>2021-04-23</a:t>
+              <a:t>2021-04-24</a:t>
             </a:fld>
             <a:endParaRPr lang="ko-KR" altLang="en-US"/>
           </a:p>
@@ -1404,7 +1404,7 @@
           <a:p>
             <a:fld id="{B40BB30E-8954-4CDA-8586-BF53F177F5A6}" type="datetimeFigureOut">
               <a:rPr lang="ko-KR" altLang="en-US" smtClean="0"/>
-              <a:t>2021-04-23</a:t>
+              <a:t>2021-04-24</a:t>
             </a:fld>
             <a:endParaRPr lang="ko-KR" altLang="en-US"/>
           </a:p>
@@ -1816,7 +1816,7 @@
           <a:p>
             <a:fld id="{B40BB30E-8954-4CDA-8586-BF53F177F5A6}" type="datetimeFigureOut">
               <a:rPr lang="ko-KR" altLang="en-US" smtClean="0"/>
-              <a:t>2021-04-23</a:t>
+              <a:t>2021-04-24</a:t>
             </a:fld>
             <a:endParaRPr lang="ko-KR" altLang="en-US"/>
           </a:p>
@@ -1957,7 +1957,7 @@
           <a:p>
             <a:fld id="{B40BB30E-8954-4CDA-8586-BF53F177F5A6}" type="datetimeFigureOut">
               <a:rPr lang="ko-KR" altLang="en-US" smtClean="0"/>
-              <a:t>2021-04-23</a:t>
+              <a:t>2021-04-24</a:t>
             </a:fld>
             <a:endParaRPr lang="ko-KR" altLang="en-US"/>
           </a:p>
@@ -2070,7 +2070,7 @@
           <a:p>
             <a:fld id="{B40BB30E-8954-4CDA-8586-BF53F177F5A6}" type="datetimeFigureOut">
               <a:rPr lang="ko-KR" altLang="en-US" smtClean="0"/>
-              <a:t>2021-04-23</a:t>
+              <a:t>2021-04-24</a:t>
             </a:fld>
             <a:endParaRPr lang="ko-KR" altLang="en-US"/>
           </a:p>
@@ -2381,7 +2381,7 @@
           <a:p>
             <a:fld id="{B40BB30E-8954-4CDA-8586-BF53F177F5A6}" type="datetimeFigureOut">
               <a:rPr lang="ko-KR" altLang="en-US" smtClean="0"/>
-              <a:t>2021-04-23</a:t>
+              <a:t>2021-04-24</a:t>
             </a:fld>
             <a:endParaRPr lang="ko-KR" altLang="en-US"/>
           </a:p>
@@ -2669,7 +2669,7 @@
           <a:p>
             <a:fld id="{B40BB30E-8954-4CDA-8586-BF53F177F5A6}" type="datetimeFigureOut">
               <a:rPr lang="ko-KR" altLang="en-US" smtClean="0"/>
-              <a:t>2021-04-23</a:t>
+              <a:t>2021-04-24</a:t>
             </a:fld>
             <a:endParaRPr lang="ko-KR" altLang="en-US"/>
           </a:p>
@@ -2910,7 +2910,7 @@
           <a:p>
             <a:fld id="{B40BB30E-8954-4CDA-8586-BF53F177F5A6}" type="datetimeFigureOut">
               <a:rPr lang="ko-KR" altLang="en-US" smtClean="0"/>
-              <a:t>2021-04-23</a:t>
+              <a:t>2021-04-24</a:t>
             </a:fld>
             <a:endParaRPr lang="ko-KR" altLang="en-US"/>
           </a:p>
@@ -3329,10 +3329,10 @@
       </p:grpSpPr>
       <p:grpSp>
         <p:nvGrpSpPr>
-          <p:cNvPr id="2" name="그룹 1">
-            <a:extLst>
-              <a:ext uri="{FF2B5EF4-FFF2-40B4-BE49-F238E27FC236}">
-                <a16:creationId xmlns:a16="http://schemas.microsoft.com/office/drawing/2014/main" id="{3429D32D-C0E5-42AC-B3C8-24B104042E82}"/>
+          <p:cNvPr id="34" name="그룹 33">
+            <a:extLst>
+              <a:ext uri="{FF2B5EF4-FFF2-40B4-BE49-F238E27FC236}">
+                <a16:creationId xmlns:a16="http://schemas.microsoft.com/office/drawing/2014/main" id="{52FA94A7-2A47-42EC-A43A-BEA25DCF428F}"/>
               </a:ext>
             </a:extLst>
           </p:cNvPr>
@@ -3341,18 +3341,18 @@
         </p:nvGrpSpPr>
         <p:grpSpPr>
           <a:xfrm>
-            <a:off x="1932038" y="199574"/>
-            <a:ext cx="8373644" cy="6458851"/>
-            <a:chOff x="1932038" y="199574"/>
-            <a:chExt cx="8373644" cy="6458851"/>
+            <a:off x="1931016" y="109057"/>
+            <a:ext cx="8430635" cy="6706998"/>
+            <a:chOff x="1931016" y="109057"/>
+            <a:chExt cx="8430635" cy="6706998"/>
           </a:xfrm>
         </p:grpSpPr>
         <p:pic>
           <p:nvPicPr>
-            <p:cNvPr id="100" name="그림 99">
+            <p:cNvPr id="23" name="그림 22">
               <a:extLst>
                 <a:ext uri="{FF2B5EF4-FFF2-40B4-BE49-F238E27FC236}">
-                  <a16:creationId xmlns:a16="http://schemas.microsoft.com/office/drawing/2014/main" id="{484555FA-4033-476D-982B-CC550F9888F6}"/>
+                  <a16:creationId xmlns:a16="http://schemas.microsoft.com/office/drawing/2014/main" id="{1AC3B993-C469-4A86-9F3A-70D360A3C203}"/>
                 </a:ext>
               </a:extLst>
             </p:cNvPr>
@@ -3375,8 +3375,8 @@
           </p:blipFill>
           <p:spPr>
             <a:xfrm>
-              <a:off x="1932038" y="199574"/>
-              <a:ext cx="8373644" cy="6458851"/>
+              <a:off x="1931016" y="109057"/>
+              <a:ext cx="8430635" cy="6706998"/>
             </a:xfrm>
             <a:prstGeom prst="rect">
               <a:avLst/>
@@ -3392,43 +3392,6 @@
                 </a:ext>
               </a:extLst>
             </p:cNvPr>
-            <p:cNvCxnSpPr/>
-            <p:nvPr/>
-          </p:nvCxnSpPr>
-          <p:spPr>
-            <a:xfrm>
-              <a:off x="2674620" y="1592580"/>
-              <a:ext cx="1386840" cy="0"/>
-            </a:xfrm>
-            <a:prstGeom prst="line">
-              <a:avLst/>
-            </a:prstGeom>
-            <a:ln w="12700"/>
-          </p:spPr>
-          <p:style>
-            <a:lnRef idx="1">
-              <a:schemeClr val="dk1"/>
-            </a:lnRef>
-            <a:fillRef idx="0">
-              <a:schemeClr val="dk1"/>
-            </a:fillRef>
-            <a:effectRef idx="0">
-              <a:schemeClr val="dk1"/>
-            </a:effectRef>
-            <a:fontRef idx="minor">
-              <a:schemeClr val="tx1"/>
-            </a:fontRef>
-          </p:style>
-        </p:cxnSp>
-        <p:cxnSp>
-          <p:nvCxnSpPr>
-            <p:cNvPr id="9" name="직선 연결선 8">
-              <a:extLst>
-                <a:ext uri="{FF2B5EF4-FFF2-40B4-BE49-F238E27FC236}">
-                  <a16:creationId xmlns:a16="http://schemas.microsoft.com/office/drawing/2014/main" id="{62AD09E8-7E6C-4673-8EEA-396F60615ACE}"/>
-                </a:ext>
-              </a:extLst>
-            </p:cNvPr>
             <p:cNvCxnSpPr>
               <a:cxnSpLocks/>
             </p:cNvCxnSpPr>
@@ -3436,84 +3399,8 @@
           </p:nvCxnSpPr>
           <p:spPr>
             <a:xfrm>
-              <a:off x="4061460" y="1592580"/>
-              <a:ext cx="0" cy="914400"/>
-            </a:xfrm>
-            <a:prstGeom prst="line">
-              <a:avLst/>
-            </a:prstGeom>
-            <a:ln w="12700"/>
-          </p:spPr>
-          <p:style>
-            <a:lnRef idx="1">
-              <a:schemeClr val="dk1"/>
-            </a:lnRef>
-            <a:fillRef idx="0">
-              <a:schemeClr val="dk1"/>
-            </a:fillRef>
-            <a:effectRef idx="0">
-              <a:schemeClr val="dk1"/>
-            </a:effectRef>
-            <a:fontRef idx="minor">
-              <a:schemeClr val="tx1"/>
-            </a:fontRef>
-          </p:style>
-        </p:cxnSp>
-        <p:cxnSp>
-          <p:nvCxnSpPr>
-            <p:cNvPr id="12" name="직선 연결선 11">
-              <a:extLst>
-                <a:ext uri="{FF2B5EF4-FFF2-40B4-BE49-F238E27FC236}">
-                  <a16:creationId xmlns:a16="http://schemas.microsoft.com/office/drawing/2014/main" id="{7D76B460-965B-464F-A21F-D823BC936093}"/>
-                </a:ext>
-              </a:extLst>
-            </p:cNvPr>
-            <p:cNvCxnSpPr>
-              <a:cxnSpLocks/>
-            </p:cNvCxnSpPr>
-            <p:nvPr/>
-          </p:nvCxnSpPr>
-          <p:spPr>
-            <a:xfrm>
-              <a:off x="4061460" y="3070860"/>
-              <a:ext cx="0" cy="678180"/>
-            </a:xfrm>
-            <a:prstGeom prst="line">
-              <a:avLst/>
-            </a:prstGeom>
-            <a:ln w="12700"/>
-          </p:spPr>
-          <p:style>
-            <a:lnRef idx="1">
-              <a:schemeClr val="dk1"/>
-            </a:lnRef>
-            <a:fillRef idx="0">
-              <a:schemeClr val="dk1"/>
-            </a:fillRef>
-            <a:effectRef idx="0">
-              <a:schemeClr val="dk1"/>
-            </a:effectRef>
-            <a:fontRef idx="minor">
-              <a:schemeClr val="tx1"/>
-            </a:fontRef>
-          </p:style>
-        </p:cxnSp>
-        <p:cxnSp>
-          <p:nvCxnSpPr>
-            <p:cNvPr id="14" name="직선 연결선 13">
-              <a:extLst>
-                <a:ext uri="{FF2B5EF4-FFF2-40B4-BE49-F238E27FC236}">
-                  <a16:creationId xmlns:a16="http://schemas.microsoft.com/office/drawing/2014/main" id="{632AAAAE-1DD0-4E79-B3E8-F4FFAF923227}"/>
-                </a:ext>
-              </a:extLst>
-            </p:cNvPr>
-            <p:cNvCxnSpPr/>
-            <p:nvPr/>
-          </p:nvCxnSpPr>
-          <p:spPr>
-            <a:xfrm>
-              <a:off x="2674620" y="3741420"/>
-              <a:ext cx="1386840" cy="0"/>
+              <a:off x="2525086" y="2912930"/>
+              <a:ext cx="942912" cy="0"/>
             </a:xfrm>
             <a:prstGeom prst="line">
               <a:avLst/>
@@ -3590,8 +3477,8 @@
           </p:nvCxnSpPr>
           <p:spPr>
             <a:xfrm>
-              <a:off x="5844540" y="1790700"/>
-              <a:ext cx="0" cy="1021080"/>
+              <a:off x="5844540" y="1728132"/>
+              <a:ext cx="0" cy="1083648"/>
             </a:xfrm>
             <a:prstGeom prst="line">
               <a:avLst/>
@@ -3629,8 +3516,8 @@
           </p:nvCxnSpPr>
           <p:spPr>
             <a:xfrm flipV="1">
-              <a:off x="6568440" y="1074420"/>
-              <a:ext cx="960120" cy="457200"/>
+              <a:off x="6593447" y="1379217"/>
+              <a:ext cx="485533" cy="1"/>
             </a:xfrm>
             <a:prstGeom prst="line">
               <a:avLst/>
@@ -3668,86 +3555,8 @@
           </p:nvCxnSpPr>
           <p:spPr>
             <a:xfrm>
-              <a:off x="8420100" y="1371600"/>
-              <a:ext cx="822960" cy="0"/>
-            </a:xfrm>
-            <a:prstGeom prst="line">
-              <a:avLst/>
-            </a:prstGeom>
-            <a:ln w="12700"/>
-          </p:spPr>
-          <p:style>
-            <a:lnRef idx="1">
-              <a:schemeClr val="dk1"/>
-            </a:lnRef>
-            <a:fillRef idx="0">
-              <a:schemeClr val="dk1"/>
-            </a:fillRef>
-            <a:effectRef idx="0">
-              <a:schemeClr val="dk1"/>
-            </a:effectRef>
-            <a:fontRef idx="minor">
-              <a:schemeClr val="tx1"/>
-            </a:fontRef>
-          </p:style>
-        </p:cxnSp>
-        <p:cxnSp>
-          <p:nvCxnSpPr>
-            <p:cNvPr id="38" name="직선 연결선 37">
-              <a:extLst>
-                <a:ext uri="{FF2B5EF4-FFF2-40B4-BE49-F238E27FC236}">
-                  <a16:creationId xmlns:a16="http://schemas.microsoft.com/office/drawing/2014/main" id="{829B159E-8DF5-4095-A189-AAE95CC5301D}"/>
-                </a:ext>
-              </a:extLst>
-            </p:cNvPr>
-            <p:cNvCxnSpPr>
-              <a:cxnSpLocks/>
-            </p:cNvCxnSpPr>
-            <p:nvPr/>
-          </p:nvCxnSpPr>
-          <p:spPr>
-            <a:xfrm flipV="1">
-              <a:off x="8420100" y="1371600"/>
-              <a:ext cx="0" cy="1043940"/>
-            </a:xfrm>
-            <a:prstGeom prst="line">
-              <a:avLst/>
-            </a:prstGeom>
-            <a:ln w="12700"/>
-          </p:spPr>
-          <p:style>
-            <a:lnRef idx="1">
-              <a:schemeClr val="dk1"/>
-            </a:lnRef>
-            <a:fillRef idx="0">
-              <a:schemeClr val="dk1"/>
-            </a:fillRef>
-            <a:effectRef idx="0">
-              <a:schemeClr val="dk1"/>
-            </a:effectRef>
-            <a:fontRef idx="minor">
-              <a:schemeClr val="tx1"/>
-            </a:fontRef>
-          </p:style>
-        </p:cxnSp>
-        <p:cxnSp>
-          <p:nvCxnSpPr>
-            <p:cNvPr id="41" name="직선 연결선 40">
-              <a:extLst>
-                <a:ext uri="{FF2B5EF4-FFF2-40B4-BE49-F238E27FC236}">
-                  <a16:creationId xmlns:a16="http://schemas.microsoft.com/office/drawing/2014/main" id="{DA071F1C-6B93-4268-B19B-C780B542F9B9}"/>
-                </a:ext>
-              </a:extLst>
-            </p:cNvPr>
-            <p:cNvCxnSpPr>
-              <a:cxnSpLocks/>
-            </p:cNvCxnSpPr>
-            <p:nvPr/>
-          </p:nvCxnSpPr>
-          <p:spPr>
-            <a:xfrm>
-              <a:off x="8084820" y="2415540"/>
-              <a:ext cx="335280" cy="0"/>
+              <a:off x="8282038" y="1632640"/>
+              <a:ext cx="1113632" cy="0"/>
             </a:xfrm>
             <a:prstGeom prst="line">
               <a:avLst/>
@@ -3785,7 +3594,7 @@
           </p:nvCxnSpPr>
           <p:spPr>
             <a:xfrm>
-              <a:off x="6697980" y="3672840"/>
+              <a:off x="6756703" y="3672840"/>
               <a:ext cx="762000" cy="0"/>
             </a:xfrm>
             <a:prstGeom prst="line">
@@ -3824,7 +3633,7 @@
           </p:nvCxnSpPr>
           <p:spPr>
             <a:xfrm>
-              <a:off x="8321040" y="3672840"/>
+              <a:off x="8446875" y="3672840"/>
               <a:ext cx="975360" cy="0"/>
             </a:xfrm>
             <a:prstGeom prst="line">
@@ -3863,8 +3672,8 @@
           </p:nvCxnSpPr>
           <p:spPr>
             <a:xfrm>
-              <a:off x="6446520" y="4023360"/>
-              <a:ext cx="0" cy="830580"/>
+              <a:off x="6446520" y="4065305"/>
+              <a:ext cx="0" cy="888066"/>
             </a:xfrm>
             <a:prstGeom prst="line">
               <a:avLst/>
@@ -3902,7 +3711,7 @@
           </p:nvCxnSpPr>
           <p:spPr>
             <a:xfrm>
-              <a:off x="8199120" y="5593080"/>
+              <a:off x="8308457" y="5670569"/>
               <a:ext cx="1097280" cy="0"/>
             </a:xfrm>
             <a:prstGeom prst="line">
@@ -3980,8 +3789,8 @@
           </p:nvCxnSpPr>
           <p:spPr>
             <a:xfrm>
-              <a:off x="6697980" y="3893820"/>
-              <a:ext cx="762000" cy="0"/>
+              <a:off x="6756703" y="3891798"/>
+              <a:ext cx="703277" cy="2022"/>
             </a:xfrm>
             <a:prstGeom prst="line">
               <a:avLst/>
@@ -4019,8 +3828,8 @@
           </p:nvCxnSpPr>
           <p:spPr>
             <a:xfrm>
-              <a:off x="6697980" y="3070860"/>
-              <a:ext cx="419100" cy="0"/>
+              <a:off x="6756703" y="3070860"/>
+              <a:ext cx="1190887" cy="0"/>
             </a:xfrm>
             <a:prstGeom prst="line">
               <a:avLst/>
@@ -4058,125 +3867,8 @@
           </p:nvCxnSpPr>
           <p:spPr>
             <a:xfrm flipV="1">
-              <a:off x="7117080" y="1592580"/>
-              <a:ext cx="0" cy="1478280"/>
-            </a:xfrm>
-            <a:prstGeom prst="line">
-              <a:avLst/>
-            </a:prstGeom>
-            <a:ln w="12700"/>
-          </p:spPr>
-          <p:style>
-            <a:lnRef idx="1">
-              <a:schemeClr val="dk1"/>
-            </a:lnRef>
-            <a:fillRef idx="0">
-              <a:schemeClr val="dk1"/>
-            </a:fillRef>
-            <a:effectRef idx="0">
-              <a:schemeClr val="dk1"/>
-            </a:effectRef>
-            <a:fontRef idx="minor">
-              <a:schemeClr val="tx1"/>
-            </a:fontRef>
-          </p:style>
-        </p:cxnSp>
-        <p:cxnSp>
-          <p:nvCxnSpPr>
-            <p:cNvPr id="75" name="직선 연결선 74">
-              <a:extLst>
-                <a:ext uri="{FF2B5EF4-FFF2-40B4-BE49-F238E27FC236}">
-                  <a16:creationId xmlns:a16="http://schemas.microsoft.com/office/drawing/2014/main" id="{771A90E6-58A8-4664-B971-516689AF6AF4}"/>
-                </a:ext>
-              </a:extLst>
-            </p:cNvPr>
-            <p:cNvCxnSpPr>
-              <a:cxnSpLocks/>
-            </p:cNvCxnSpPr>
-            <p:nvPr/>
-          </p:nvCxnSpPr>
-          <p:spPr>
-            <a:xfrm>
-              <a:off x="7117080" y="1592580"/>
-              <a:ext cx="609600" cy="0"/>
-            </a:xfrm>
-            <a:prstGeom prst="line">
-              <a:avLst/>
-            </a:prstGeom>
-            <a:ln w="12700"/>
-          </p:spPr>
-          <p:style>
-            <a:lnRef idx="1">
-              <a:schemeClr val="dk1"/>
-            </a:lnRef>
-            <a:fillRef idx="0">
-              <a:schemeClr val="dk1"/>
-            </a:fillRef>
-            <a:effectRef idx="0">
-              <a:schemeClr val="dk1"/>
-            </a:effectRef>
-            <a:fontRef idx="minor">
-              <a:schemeClr val="tx1"/>
-            </a:fontRef>
-          </p:style>
-        </p:cxnSp>
-        <p:cxnSp>
-          <p:nvCxnSpPr>
-            <p:cNvPr id="77" name="직선 연결선 76">
-              <a:extLst>
-                <a:ext uri="{FF2B5EF4-FFF2-40B4-BE49-F238E27FC236}">
-                  <a16:creationId xmlns:a16="http://schemas.microsoft.com/office/drawing/2014/main" id="{0408C2D4-3EF1-4EB8-8F39-21294CACBF2E}"/>
-                </a:ext>
-              </a:extLst>
-            </p:cNvPr>
-            <p:cNvCxnSpPr>
-              <a:cxnSpLocks/>
-            </p:cNvCxnSpPr>
-            <p:nvPr/>
-          </p:nvCxnSpPr>
-          <p:spPr>
-            <a:xfrm flipV="1">
-              <a:off x="7726680" y="1150620"/>
-              <a:ext cx="0" cy="441960"/>
-            </a:xfrm>
-            <a:prstGeom prst="line">
-              <a:avLst/>
-            </a:prstGeom>
-            <a:ln w="12700"/>
-          </p:spPr>
-          <p:style>
-            <a:lnRef idx="1">
-              <a:schemeClr val="dk1"/>
-            </a:lnRef>
-            <a:fillRef idx="0">
-              <a:schemeClr val="dk1"/>
-            </a:fillRef>
-            <a:effectRef idx="0">
-              <a:schemeClr val="dk1"/>
-            </a:effectRef>
-            <a:fontRef idx="minor">
-              <a:schemeClr val="tx1"/>
-            </a:fontRef>
-          </p:style>
-        </p:cxnSp>
-        <p:cxnSp>
-          <p:nvCxnSpPr>
-            <p:cNvPr id="81" name="직선 연결선 80">
-              <a:extLst>
-                <a:ext uri="{FF2B5EF4-FFF2-40B4-BE49-F238E27FC236}">
-                  <a16:creationId xmlns:a16="http://schemas.microsoft.com/office/drawing/2014/main" id="{ABD5DBB6-AA59-4AF7-B90C-1F293063C465}"/>
-                </a:ext>
-              </a:extLst>
-            </p:cNvPr>
-            <p:cNvCxnSpPr>
-              <a:cxnSpLocks/>
-            </p:cNvCxnSpPr>
-            <p:nvPr/>
-          </p:nvCxnSpPr>
-          <p:spPr>
-            <a:xfrm flipV="1">
-              <a:off x="7955280" y="1150620"/>
-              <a:ext cx="0" cy="1173480"/>
+              <a:off x="7947590" y="1728132"/>
+              <a:ext cx="0" cy="1342728"/>
             </a:xfrm>
             <a:prstGeom prst="line">
               <a:avLst/>
@@ -4255,7 +3947,7 @@
           </p:nvSpPr>
           <p:spPr>
             <a:xfrm rot="16200000">
-              <a:off x="6382550" y="2094234"/>
+              <a:off x="7210266" y="2189726"/>
               <a:ext cx="1184797" cy="261610"/>
             </a:xfrm>
             <a:prstGeom prst="rect">
@@ -4270,10 +3962,9 @@
             <a:lstStyle/>
             <a:p>
               <a:r>
-                <a:rPr lang="ko-KR" altLang="en-US" sz="1100"/>
+                <a:rPr lang="ko-KR" altLang="en-US" sz="1100" dirty="0"/>
                 <a:t>요청 보내기▶</a:t>
               </a:r>
-              <a:endParaRPr lang="ko-KR" altLang="en-US" sz="1100" dirty="0"/>
             </a:p>
           </p:txBody>
         </p:sp>
@@ -4368,9 +4059,9 @@
             <p:nvPr/>
           </p:nvSpPr>
           <p:spPr>
-            <a:xfrm rot="20146330">
-              <a:off x="6443803" y="1056962"/>
-              <a:ext cx="1280531" cy="246221"/>
+            <a:xfrm rot="1950665">
+              <a:off x="6503100" y="1162615"/>
+              <a:ext cx="1283469" cy="230832"/>
             </a:xfrm>
             <a:prstGeom prst="rect">
               <a:avLst/>
@@ -4384,51 +4075,16 @@
             <a:lstStyle/>
             <a:p>
               <a:r>
-                <a:rPr lang="ko-KR" altLang="en-US" sz="1000" dirty="0"/>
+                <a:rPr lang="ko-KR" altLang="en-US" sz="900" dirty="0"/>
                 <a:t>확인할 </a:t>
               </a:r>
               <a:r>
-                <a:rPr lang="en-US" altLang="ko-KR" sz="1000" dirty="0"/>
+                <a:rPr lang="en-US" altLang="ko-KR" sz="900" dirty="0"/>
                 <a:t>ID </a:t>
               </a:r>
               <a:r>
-                <a:rPr lang="ko-KR" altLang="en-US" sz="1000" dirty="0"/>
+                <a:rPr lang="ko-KR" altLang="en-US" sz="900" dirty="0"/>
                 <a:t>전달▶</a:t>
-              </a:r>
-            </a:p>
-          </p:txBody>
-        </p:sp>
-        <p:sp>
-          <p:nvSpPr>
-            <p:cNvPr id="92" name="TextBox 91">
-              <a:extLst>
-                <a:ext uri="{FF2B5EF4-FFF2-40B4-BE49-F238E27FC236}">
-                  <a16:creationId xmlns:a16="http://schemas.microsoft.com/office/drawing/2014/main" id="{1C142AC3-5165-488C-B2AC-F59BA3CA01AD}"/>
-                </a:ext>
-              </a:extLst>
-            </p:cNvPr>
-            <p:cNvSpPr txBox="1"/>
-            <p:nvPr/>
-          </p:nvSpPr>
-          <p:spPr>
-            <a:xfrm rot="16200000">
-              <a:off x="7483919" y="1532500"/>
-              <a:ext cx="1280531" cy="261610"/>
-            </a:xfrm>
-            <a:prstGeom prst="rect">
-              <a:avLst/>
-            </a:prstGeom>
-            <a:noFill/>
-          </p:spPr>
-          <p:txBody>
-            <a:bodyPr wrap="square" rtlCol="0">
-              <a:spAutoFit/>
-            </a:bodyPr>
-            <a:lstStyle/>
-            <a:p>
-              <a:r>
-                <a:rPr lang="ko-KR" altLang="en-US" sz="1100" dirty="0"/>
-                <a:t>데이터 제공▶</a:t>
               </a:r>
             </a:p>
           </p:txBody>
@@ -4490,7 +4146,7 @@
           </p:nvSpPr>
           <p:spPr>
             <a:xfrm rot="16200000">
-              <a:off x="5914499" y="4189995"/>
+              <a:off x="5959397" y="4205946"/>
               <a:ext cx="1280531" cy="246221"/>
             </a:xfrm>
             <a:prstGeom prst="rect">
@@ -4704,45 +4360,6 @@
         </p:pic>
         <p:pic>
           <p:nvPicPr>
-            <p:cNvPr id="106" name="그래픽 105" descr="목록 단색으로 채워진">
-              <a:extLst>
-                <a:ext uri="{FF2B5EF4-FFF2-40B4-BE49-F238E27FC236}">
-                  <a16:creationId xmlns:a16="http://schemas.microsoft.com/office/drawing/2014/main" id="{18210266-73C3-4542-9AF4-944C0FFEFCEE}"/>
-                </a:ext>
-              </a:extLst>
-            </p:cNvPr>
-            <p:cNvPicPr>
-              <a:picLocks noChangeAspect="1"/>
-            </p:cNvPicPr>
-            <p:nvPr/>
-          </p:nvPicPr>
-          <p:blipFill>
-            <a:blip r:embed="rId5">
-              <a:extLst>
-                <a:ext uri="{28A0092B-C50C-407E-A947-70E740481C1C}">
-                  <a14:useLocalDpi xmlns:a14="http://schemas.microsoft.com/office/drawing/2010/main" val="0"/>
-                </a:ext>
-                <a:ext uri="{96DAC541-7B7A-43D3-8B79-37D633B846F1}">
-                  <asvg:svgBlip xmlns:asvg="http://schemas.microsoft.com/office/drawing/2016/SVG/main" r:embed="rId6"/>
-                </a:ext>
-              </a:extLst>
-            </a:blip>
-            <a:stretch>
-              <a:fillRect/>
-            </a:stretch>
-          </p:blipFill>
-          <p:spPr>
-            <a:xfrm>
-              <a:off x="7263101" y="2090156"/>
-              <a:ext cx="325384" cy="325384"/>
-            </a:xfrm>
-            <a:prstGeom prst="rect">
-              <a:avLst/>
-            </a:prstGeom>
-          </p:spPr>
-        </p:pic>
-        <p:pic>
-          <p:nvPicPr>
             <p:cNvPr id="107" name="그래픽 106" descr="선글라스 낀 얼굴(윤곽선) 단색으로 채워진">
               <a:extLst>
                 <a:ext uri="{FF2B5EF4-FFF2-40B4-BE49-F238E27FC236}">
@@ -4819,12 +4436,90 @@
             </a:prstGeom>
           </p:spPr>
         </p:pic>
+        <p:cxnSp>
+          <p:nvCxnSpPr>
+            <p:cNvPr id="51" name="직선 연결선 50">
+              <a:extLst>
+                <a:ext uri="{FF2B5EF4-FFF2-40B4-BE49-F238E27FC236}">
+                  <a16:creationId xmlns:a16="http://schemas.microsoft.com/office/drawing/2014/main" id="{3FE72B22-7CA7-41A2-9BF8-E3AB6B94651E}"/>
+                </a:ext>
+              </a:extLst>
+            </p:cNvPr>
+            <p:cNvCxnSpPr>
+              <a:cxnSpLocks/>
+            </p:cNvCxnSpPr>
+            <p:nvPr/>
+          </p:nvCxnSpPr>
+          <p:spPr>
+            <a:xfrm>
+              <a:off x="7071299" y="1374332"/>
+              <a:ext cx="0" cy="258308"/>
+            </a:xfrm>
+            <a:prstGeom prst="line">
+              <a:avLst/>
+            </a:prstGeom>
+            <a:ln w="12700"/>
+          </p:spPr>
+          <p:style>
+            <a:lnRef idx="1">
+              <a:schemeClr val="dk1"/>
+            </a:lnRef>
+            <a:fillRef idx="0">
+              <a:schemeClr val="dk1"/>
+            </a:fillRef>
+            <a:effectRef idx="0">
+              <a:schemeClr val="dk1"/>
+            </a:effectRef>
+            <a:fontRef idx="minor">
+              <a:schemeClr val="tx1"/>
+            </a:fontRef>
+          </p:style>
+        </p:cxnSp>
+        <p:cxnSp>
+          <p:nvCxnSpPr>
+            <p:cNvPr id="54" name="직선 연결선 53">
+              <a:extLst>
+                <a:ext uri="{FF2B5EF4-FFF2-40B4-BE49-F238E27FC236}">
+                  <a16:creationId xmlns:a16="http://schemas.microsoft.com/office/drawing/2014/main" id="{B54D7C35-C442-4B55-AB82-1B0D00334C73}"/>
+                </a:ext>
+              </a:extLst>
+            </p:cNvPr>
+            <p:cNvCxnSpPr>
+              <a:cxnSpLocks/>
+            </p:cNvCxnSpPr>
+            <p:nvPr/>
+          </p:nvCxnSpPr>
+          <p:spPr>
+            <a:xfrm>
+              <a:off x="7071299" y="1632640"/>
+              <a:ext cx="516586" cy="0"/>
+            </a:xfrm>
+            <a:prstGeom prst="line">
+              <a:avLst/>
+            </a:prstGeom>
+            <a:ln w="12700"/>
+          </p:spPr>
+          <p:style>
+            <a:lnRef idx="1">
+              <a:schemeClr val="dk1"/>
+            </a:lnRef>
+            <a:fillRef idx="0">
+              <a:schemeClr val="dk1"/>
+            </a:fillRef>
+            <a:effectRef idx="0">
+              <a:schemeClr val="dk1"/>
+            </a:effectRef>
+            <a:fontRef idx="minor">
+              <a:schemeClr val="tx1"/>
+            </a:fontRef>
+          </p:style>
+        </p:cxnSp>
         <p:pic>
           <p:nvPicPr>
-            <p:cNvPr id="110" name="그래픽 109" descr="목록 단색으로 채워진">
+            <p:cNvPr id="68" name="그래픽 67" descr="선글라스 낀 얼굴(윤곽선) 단색으로 채워진">
               <a:extLst>
                 <a:ext uri="{FF2B5EF4-FFF2-40B4-BE49-F238E27FC236}">
-                  <a16:creationId xmlns:a16="http://schemas.microsoft.com/office/drawing/2014/main" id="{58CB0C72-D269-46D2-AF26-5F540585576C}"/>
+                  <a16:creationId xmlns:a16="http://schemas.microsoft.com/office/drawing/2014/main" id="{55942EFB-06A5-42CA-981D-F6A8CC843381}"/>
                 </a:ext>
               </a:extLst>
             </p:cNvPr>
@@ -4834,13 +4529,13 @@
             <p:nvPr/>
           </p:nvPicPr>
           <p:blipFill>
-            <a:blip r:embed="rId5">
+            <a:blip r:embed="rId3">
               <a:extLst>
                 <a:ext uri="{28A0092B-C50C-407E-A947-70E740481C1C}">
                   <a14:useLocalDpi xmlns:a14="http://schemas.microsoft.com/office/drawing/2010/main" val="0"/>
                 </a:ext>
                 <a:ext uri="{96DAC541-7B7A-43D3-8B79-37D633B846F1}">
-                  <asvg:svgBlip xmlns:asvg="http://schemas.microsoft.com/office/drawing/2016/SVG/main" r:embed="rId6"/>
+                  <asvg:svgBlip xmlns:asvg="http://schemas.microsoft.com/office/drawing/2016/SVG/main" r:embed="rId4"/>
                 </a:ext>
               </a:extLst>
             </a:blip>
@@ -4850,7 +4545,7 @@
           </p:blipFill>
           <p:spPr>
             <a:xfrm>
-              <a:off x="7375389" y="751784"/>
+              <a:off x="7440281" y="1318344"/>
               <a:ext cx="325384" cy="325384"/>
             </a:xfrm>
             <a:prstGeom prst="rect">
@@ -4891,10 +4586,10 @@
       </p:grpSpPr>
       <p:grpSp>
         <p:nvGrpSpPr>
-          <p:cNvPr id="2" name="그룹 1">
-            <a:extLst>
-              <a:ext uri="{FF2B5EF4-FFF2-40B4-BE49-F238E27FC236}">
-                <a16:creationId xmlns:a16="http://schemas.microsoft.com/office/drawing/2014/main" id="{91708131-569E-4B4D-B6F2-CA64E599654E}"/>
+          <p:cNvPr id="69" name="그룹 68">
+            <a:extLst>
+              <a:ext uri="{FF2B5EF4-FFF2-40B4-BE49-F238E27FC236}">
+                <a16:creationId xmlns:a16="http://schemas.microsoft.com/office/drawing/2014/main" id="{49EA9002-01A6-4530-BCF9-470E1114F195}"/>
               </a:ext>
             </a:extLst>
           </p:cNvPr>
@@ -4903,18 +4598,18 @@
         </p:nvGrpSpPr>
         <p:grpSpPr>
           <a:xfrm>
-            <a:off x="2128345" y="0"/>
-            <a:ext cx="7935310" cy="6858000"/>
-            <a:chOff x="2128345" y="0"/>
-            <a:chExt cx="7935310" cy="6858000"/>
+            <a:off x="871518" y="590154"/>
+            <a:ext cx="10297962" cy="5677692"/>
+            <a:chOff x="871518" y="590154"/>
+            <a:chExt cx="10297962" cy="5677692"/>
           </a:xfrm>
         </p:grpSpPr>
         <p:pic>
           <p:nvPicPr>
-            <p:cNvPr id="55" name="그림 54">
+            <p:cNvPr id="50" name="그림 49">
               <a:extLst>
                 <a:ext uri="{FF2B5EF4-FFF2-40B4-BE49-F238E27FC236}">
-                  <a16:creationId xmlns:a16="http://schemas.microsoft.com/office/drawing/2014/main" id="{9F06E5D1-AA84-4E94-96AF-C0E96F498662}"/>
+                  <a16:creationId xmlns:a16="http://schemas.microsoft.com/office/drawing/2014/main" id="{2FC3E56D-C797-404B-B929-13D0B75E47A2}"/>
                 </a:ext>
               </a:extLst>
             </p:cNvPr>
@@ -4937,8 +4632,8 @@
           </p:blipFill>
           <p:spPr>
             <a:xfrm>
-              <a:off x="2128345" y="0"/>
-              <a:ext cx="7935310" cy="6858000"/>
+              <a:off x="871518" y="590154"/>
+              <a:ext cx="10297962" cy="5677692"/>
             </a:xfrm>
             <a:prstGeom prst="rect">
               <a:avLst/>
@@ -4954,13 +4649,15 @@
                 </a:ext>
               </a:extLst>
             </p:cNvPr>
-            <p:cNvCxnSpPr/>
+            <p:cNvCxnSpPr>
+              <a:cxnSpLocks/>
+            </p:cNvCxnSpPr>
             <p:nvPr/>
           </p:nvCxnSpPr>
           <p:spPr>
             <a:xfrm>
-              <a:off x="2964180" y="3429000"/>
-              <a:ext cx="960120" cy="472440"/>
+              <a:off x="1969934" y="3482340"/>
+              <a:ext cx="1099646" cy="1"/>
             </a:xfrm>
             <a:prstGeom prst="line">
               <a:avLst/>
@@ -4998,47 +4695,8 @@
           </p:nvCxnSpPr>
           <p:spPr>
             <a:xfrm flipV="1">
-              <a:off x="3128010" y="4053842"/>
-              <a:ext cx="796290" cy="990598"/>
-            </a:xfrm>
-            <a:prstGeom prst="line">
-              <a:avLst/>
-            </a:prstGeom>
-            <a:ln w="12700"/>
-          </p:spPr>
-          <p:style>
-            <a:lnRef idx="1">
-              <a:schemeClr val="dk1"/>
-            </a:lnRef>
-            <a:fillRef idx="0">
-              <a:schemeClr val="dk1"/>
-            </a:fillRef>
-            <a:effectRef idx="0">
-              <a:schemeClr val="dk1"/>
-            </a:effectRef>
-            <a:fontRef idx="minor">
-              <a:schemeClr val="tx1"/>
-            </a:fontRef>
-          </p:style>
-        </p:cxnSp>
-        <p:cxnSp>
-          <p:nvCxnSpPr>
-            <p:cNvPr id="13" name="직선 연결선 12">
-              <a:extLst>
-                <a:ext uri="{FF2B5EF4-FFF2-40B4-BE49-F238E27FC236}">
-                  <a16:creationId xmlns:a16="http://schemas.microsoft.com/office/drawing/2014/main" id="{C7BBE6C3-D66A-4048-85CB-1B0127A6AF7A}"/>
-                </a:ext>
-              </a:extLst>
-            </p:cNvPr>
-            <p:cNvCxnSpPr>
-              <a:cxnSpLocks/>
-            </p:cNvCxnSpPr>
-            <p:nvPr/>
-          </p:nvCxnSpPr>
-          <p:spPr>
-            <a:xfrm flipV="1">
-              <a:off x="4160520" y="4206241"/>
-              <a:ext cx="0" cy="777239"/>
+              <a:off x="3452976" y="3782218"/>
+              <a:ext cx="0" cy="839203"/>
             </a:xfrm>
             <a:prstGeom prst="line">
               <a:avLst/>
@@ -5076,8 +4734,8 @@
           </p:nvCxnSpPr>
           <p:spPr>
             <a:xfrm>
-              <a:off x="5036820" y="5372100"/>
-              <a:ext cx="853440" cy="0"/>
+              <a:off x="4281811" y="4979685"/>
+              <a:ext cx="914076" cy="0"/>
             </a:xfrm>
             <a:prstGeom prst="line">
               <a:avLst/>
@@ -5115,8 +4773,8 @@
           </p:nvCxnSpPr>
           <p:spPr>
             <a:xfrm>
-              <a:off x="6858000" y="3815097"/>
-              <a:ext cx="0" cy="970263"/>
+              <a:off x="5005338" y="2105637"/>
+              <a:ext cx="0" cy="786234"/>
             </a:xfrm>
             <a:prstGeom prst="line">
               <a:avLst/>
@@ -5154,8 +4812,8 @@
           </p:nvCxnSpPr>
           <p:spPr>
             <a:xfrm>
-              <a:off x="6595111" y="2461260"/>
-              <a:ext cx="0" cy="990600"/>
+              <a:off x="6144525" y="3037669"/>
+              <a:ext cx="743" cy="1368037"/>
             </a:xfrm>
             <a:prstGeom prst="line">
               <a:avLst/>
@@ -5192,9 +4850,9 @@
             <p:nvPr/>
           </p:nvCxnSpPr>
           <p:spPr>
-            <a:xfrm flipV="1">
-              <a:off x="9075420" y="2156460"/>
-              <a:ext cx="0" cy="381000"/>
+            <a:xfrm flipH="1">
+              <a:off x="6344721" y="2820192"/>
+              <a:ext cx="1359280" cy="1"/>
             </a:xfrm>
             <a:prstGeom prst="line">
               <a:avLst/>
@@ -5232,8 +4890,8 @@
           </p:nvCxnSpPr>
           <p:spPr>
             <a:xfrm flipH="1">
-              <a:off x="7208520" y="2156460"/>
-              <a:ext cx="1866901" cy="0"/>
+              <a:off x="9069153" y="2819949"/>
+              <a:ext cx="1224139" cy="0"/>
             </a:xfrm>
             <a:prstGeom prst="line">
               <a:avLst/>
@@ -5271,8 +4929,8 @@
           </p:nvCxnSpPr>
           <p:spPr>
             <a:xfrm>
-              <a:off x="6995160" y="3672840"/>
-              <a:ext cx="859155" cy="0"/>
+              <a:off x="5005338" y="2891871"/>
+              <a:ext cx="583275" cy="0"/>
             </a:xfrm>
             <a:prstGeom prst="line">
               <a:avLst/>
@@ -5309,87 +4967,9 @@
             <p:nvPr/>
           </p:nvCxnSpPr>
           <p:spPr>
-            <a:xfrm>
-              <a:off x="7854315" y="3672840"/>
-              <a:ext cx="0" cy="1871946"/>
-            </a:xfrm>
-            <a:prstGeom prst="line">
-              <a:avLst/>
-            </a:prstGeom>
-            <a:ln w="12700"/>
-          </p:spPr>
-          <p:style>
-            <a:lnRef idx="1">
-              <a:schemeClr val="dk1"/>
-            </a:lnRef>
-            <a:fillRef idx="0">
-              <a:schemeClr val="dk1"/>
-            </a:fillRef>
-            <a:effectRef idx="0">
-              <a:schemeClr val="dk1"/>
-            </a:effectRef>
-            <a:fontRef idx="minor">
-              <a:schemeClr val="tx1"/>
-            </a:fontRef>
-          </p:style>
-        </p:cxnSp>
-        <p:cxnSp>
-          <p:nvCxnSpPr>
-            <p:cNvPr id="47" name="직선 연결선 46">
-              <a:extLst>
-                <a:ext uri="{FF2B5EF4-FFF2-40B4-BE49-F238E27FC236}">
-                  <a16:creationId xmlns:a16="http://schemas.microsoft.com/office/drawing/2014/main" id="{043C560B-7E42-46A9-96E9-632FA825DEC3}"/>
-                </a:ext>
-              </a:extLst>
-            </p:cNvPr>
-            <p:cNvCxnSpPr>
-              <a:cxnSpLocks/>
-            </p:cNvCxnSpPr>
-            <p:nvPr/>
-          </p:nvCxnSpPr>
-          <p:spPr>
-            <a:xfrm>
-              <a:off x="7854315" y="5532120"/>
-              <a:ext cx="689610" cy="0"/>
-            </a:xfrm>
-            <a:prstGeom prst="line">
-              <a:avLst/>
-            </a:prstGeom>
-            <a:ln w="12700"/>
-          </p:spPr>
-          <p:style>
-            <a:lnRef idx="1">
-              <a:schemeClr val="dk1"/>
-            </a:lnRef>
-            <a:fillRef idx="0">
-              <a:schemeClr val="dk1"/>
-            </a:fillRef>
-            <a:effectRef idx="0">
-              <a:schemeClr val="dk1"/>
-            </a:effectRef>
-            <a:fontRef idx="minor">
-              <a:schemeClr val="tx1"/>
-            </a:fontRef>
-          </p:style>
-        </p:cxnSp>
-        <p:cxnSp>
-          <p:nvCxnSpPr>
-            <p:cNvPr id="77" name="직선 연결선 76">
-              <a:extLst>
-                <a:ext uri="{FF2B5EF4-FFF2-40B4-BE49-F238E27FC236}">
-                  <a16:creationId xmlns:a16="http://schemas.microsoft.com/office/drawing/2014/main" id="{E630EFFC-4FA1-4101-A52D-D98C3D78D53B}"/>
-                </a:ext>
-              </a:extLst>
-            </p:cNvPr>
-            <p:cNvCxnSpPr>
-              <a:cxnSpLocks/>
-            </p:cNvCxnSpPr>
-            <p:nvPr/>
-          </p:nvCxnSpPr>
-          <p:spPr>
-            <a:xfrm>
-              <a:off x="9576435" y="5544786"/>
-              <a:ext cx="230505" cy="0"/>
+            <a:xfrm flipH="1">
+              <a:off x="4251334" y="2115737"/>
+              <a:ext cx="754004" cy="1"/>
             </a:xfrm>
             <a:prstGeom prst="line">
               <a:avLst/>
@@ -5427,8 +5007,8 @@
           </p:nvCxnSpPr>
           <p:spPr>
             <a:xfrm>
-              <a:off x="9806940" y="815340"/>
-              <a:ext cx="0" cy="4729446"/>
+              <a:off x="4068871" y="1476350"/>
+              <a:ext cx="0" cy="486695"/>
             </a:xfrm>
             <a:prstGeom prst="line">
               <a:avLst/>
@@ -5461,13 +5041,14 @@
             </p:cNvPr>
             <p:cNvCxnSpPr>
               <a:cxnSpLocks/>
+              <a:endCxn id="30" idx="2"/>
             </p:cNvCxnSpPr>
             <p:nvPr/>
           </p:nvCxnSpPr>
           <p:spPr>
             <a:xfrm>
-              <a:off x="6995160" y="815340"/>
-              <a:ext cx="2811780" cy="0"/>
+              <a:off x="4068871" y="1476350"/>
+              <a:ext cx="1519743" cy="0"/>
             </a:xfrm>
             <a:prstGeom prst="line">
               <a:avLst/>
@@ -5505,8 +5086,8 @@
           </p:nvCxnSpPr>
           <p:spPr>
             <a:xfrm>
-              <a:off x="6858000" y="1074420"/>
-              <a:ext cx="0" cy="960120"/>
+              <a:off x="8759563" y="1460309"/>
+              <a:ext cx="0" cy="1099581"/>
             </a:xfrm>
             <a:prstGeom prst="line">
               <a:avLst/>
@@ -5542,7 +5123,7 @@
           </p:nvSpPr>
           <p:spPr>
             <a:xfrm rot="5400000">
-              <a:off x="3412391" y="4654555"/>
+              <a:off x="2700174" y="4274901"/>
               <a:ext cx="1280531" cy="261610"/>
             </a:xfrm>
             <a:prstGeom prst="rect">
@@ -5557,10 +5138,9 @@
             <a:lstStyle/>
             <a:p>
               <a:r>
-                <a:rPr lang="ko-KR" altLang="en-US" sz="1100"/>
+                <a:rPr lang="ko-KR" altLang="en-US" sz="1100" dirty="0"/>
                 <a:t>날짜 선택▶</a:t>
               </a:r>
-              <a:endParaRPr lang="ko-KR" altLang="en-US" sz="1100" dirty="0"/>
             </a:p>
           </p:txBody>
         </p:sp>
@@ -5578,7 +5158,7 @@
           </p:nvSpPr>
           <p:spPr>
             <a:xfrm>
-              <a:off x="4977395" y="5110490"/>
+              <a:off x="4263493" y="4686188"/>
               <a:ext cx="1280531" cy="261610"/>
             </a:xfrm>
             <a:prstGeom prst="rect">
@@ -5593,10 +5173,9 @@
             <a:lstStyle/>
             <a:p>
               <a:r>
-                <a:rPr lang="ko-KR" altLang="en-US" sz="1100"/>
+                <a:rPr lang="ko-KR" altLang="en-US" sz="1100" dirty="0"/>
                 <a:t>날짜 전달▶</a:t>
               </a:r>
-              <a:endParaRPr lang="ko-KR" altLang="en-US" sz="1100" dirty="0"/>
             </a:p>
           </p:txBody>
         </p:sp>
@@ -5614,7 +5193,7 @@
           </p:nvSpPr>
           <p:spPr>
             <a:xfrm rot="16200000">
-              <a:off x="6363778" y="3961321"/>
+              <a:off x="5623984" y="3332216"/>
               <a:ext cx="1280531" cy="261610"/>
             </a:xfrm>
             <a:prstGeom prst="rect">
@@ -5648,8 +5227,8 @@
             <p:nvPr/>
           </p:nvSpPr>
           <p:spPr>
-            <a:xfrm rot="16200000">
-              <a:off x="5253073" y="2657609"/>
+            <a:xfrm>
+              <a:off x="6388782" y="2589117"/>
               <a:ext cx="1784390" cy="230832"/>
             </a:xfrm>
             <a:prstGeom prst="rect">
@@ -5665,13 +5244,8 @@
             <a:p>
               <a:r>
                 <a:rPr lang="ko-KR" altLang="en-US" sz="900" dirty="0"/>
-                <a:t>해당 </a:t>
+                <a:t>해당 데이터 요청▶</a:t>
               </a:r>
-              <a:r>
-                <a:rPr lang="ko-KR" altLang="en-US" sz="900"/>
-                <a:t>데이터 요청▶</a:t>
-              </a:r>
-              <a:endParaRPr lang="ko-KR" altLang="en-US" sz="900" dirty="0"/>
             </a:p>
           </p:txBody>
         </p:sp>
@@ -5689,7 +5263,7 @@
           </p:nvSpPr>
           <p:spPr>
             <a:xfrm>
-              <a:off x="7692205" y="830581"/>
+              <a:off x="4068871" y="1198699"/>
               <a:ext cx="1280531" cy="261610"/>
             </a:xfrm>
             <a:prstGeom prst="rect">
@@ -5705,7 +5279,7 @@
             <a:p>
               <a:r>
                 <a:rPr lang="ko-KR" altLang="en-US" sz="1100" dirty="0"/>
-                <a:t>◀웹 페이지 준비</a:t>
+                <a:t>웹 페이지 준비▶</a:t>
               </a:r>
             </a:p>
           </p:txBody>
@@ -5723,9 +5297,9 @@
             <p:nvPr/>
           </p:nvSpPr>
           <p:spPr>
-            <a:xfrm rot="16200000">
-              <a:off x="5370754" y="1200445"/>
-              <a:ext cx="1431074" cy="246221"/>
+            <a:xfrm>
+              <a:off x="6742098" y="1170359"/>
+              <a:ext cx="1431074" cy="261610"/>
             </a:xfrm>
             <a:prstGeom prst="rect">
               <a:avLst/>
@@ -5739,8 +5313,8 @@
             <a:lstStyle/>
             <a:p>
               <a:r>
-                <a:rPr lang="ko-KR" altLang="en-US" sz="1000" dirty="0"/>
-                <a:t>조회 데이터 제공▶</a:t>
+                <a:rPr lang="ko-KR" altLang="en-US" sz="1100" dirty="0"/>
+                <a:t>◀조회 데이터 제공</a:t>
               </a:r>
             </a:p>
           </p:txBody>
@@ -5759,7 +5333,7 @@
           </p:nvSpPr>
           <p:spPr>
             <a:xfrm>
-              <a:off x="7930755" y="5249069"/>
+              <a:off x="4332570" y="1854340"/>
               <a:ext cx="651076" cy="261610"/>
             </a:xfrm>
             <a:prstGeom prst="rect">
@@ -5775,7 +5349,7 @@
             <a:p>
               <a:r>
                 <a:rPr lang="ko-KR" altLang="en-US" sz="1100" dirty="0"/>
-                <a:t>게시▶</a:t>
+                <a:t>◀게시</a:t>
               </a:r>
             </a:p>
           </p:txBody>
@@ -5811,7 +5385,7 @@
           </p:blipFill>
           <p:spPr>
             <a:xfrm>
-              <a:off x="3789046" y="3573874"/>
+              <a:off x="2886700" y="3063241"/>
               <a:ext cx="365759" cy="365759"/>
             </a:xfrm>
             <a:prstGeom prst="rect">
@@ -5850,7 +5424,7 @@
           </p:blipFill>
           <p:spPr>
             <a:xfrm>
-              <a:off x="6125512" y="3299461"/>
+              <a:off x="5405734" y="2526112"/>
               <a:ext cx="365759" cy="365759"/>
             </a:xfrm>
             <a:prstGeom prst="rect">
@@ -5889,7 +5463,7 @@
           </p:blipFill>
           <p:spPr>
             <a:xfrm>
-              <a:off x="6103436" y="477213"/>
+              <a:off x="5405734" y="1110591"/>
               <a:ext cx="365759" cy="365759"/>
             </a:xfrm>
             <a:prstGeom prst="rect">
@@ -5928,46 +5502,7 @@
           </p:blipFill>
           <p:spPr>
             <a:xfrm>
-              <a:off x="3833190" y="4871458"/>
-              <a:ext cx="325384" cy="325384"/>
-            </a:xfrm>
-            <a:prstGeom prst="rect">
-              <a:avLst/>
-            </a:prstGeom>
-          </p:spPr>
-        </p:pic>
-        <p:pic>
-          <p:nvPicPr>
-            <p:cNvPr id="32" name="그래픽 31" descr="목록 단색으로 채워진">
-              <a:extLst>
-                <a:ext uri="{FF2B5EF4-FFF2-40B4-BE49-F238E27FC236}">
-                  <a16:creationId xmlns:a16="http://schemas.microsoft.com/office/drawing/2014/main" id="{8AB7A1A4-DB1E-412E-8660-6563B74FD84A}"/>
-                </a:ext>
-              </a:extLst>
-            </p:cNvPr>
-            <p:cNvPicPr>
-              <a:picLocks noChangeAspect="1"/>
-            </p:cNvPicPr>
-            <p:nvPr/>
-          </p:nvPicPr>
-          <p:blipFill>
-            <a:blip r:embed="rId5">
-              <a:extLst>
-                <a:ext uri="{28A0092B-C50C-407E-A947-70E740481C1C}">
-                  <a14:useLocalDpi xmlns:a14="http://schemas.microsoft.com/office/drawing/2010/main" val="0"/>
-                </a:ext>
-                <a:ext uri="{96DAC541-7B7A-43D3-8B79-37D633B846F1}">
-                  <asvg:svgBlip xmlns:asvg="http://schemas.microsoft.com/office/drawing/2016/SVG/main" r:embed="rId6"/>
-                </a:ext>
-              </a:extLst>
-            </a:blip>
-            <a:stretch>
-              <a:fillRect/>
-            </a:stretch>
-          </p:blipFill>
-          <p:spPr>
-            <a:xfrm>
-              <a:off x="5807125" y="1891750"/>
+              <a:off x="2992861" y="4496622"/>
               <a:ext cx="325384" cy="325384"/>
             </a:xfrm>
             <a:prstGeom prst="rect">
@@ -6006,7 +5541,7 @@
           </p:blipFill>
           <p:spPr>
             <a:xfrm>
-              <a:off x="5725663" y="4654301"/>
+              <a:off x="5037474" y="4283429"/>
               <a:ext cx="325384" cy="325384"/>
             </a:xfrm>
             <a:prstGeom prst="rect">
@@ -6045,7 +5580,7 @@
           </p:blipFill>
           <p:spPr>
             <a:xfrm>
-              <a:off x="8419139" y="5194071"/>
+              <a:off x="2992861" y="1822453"/>
               <a:ext cx="325384" cy="325384"/>
             </a:xfrm>
             <a:prstGeom prst="rect">
@@ -6053,6 +5588,84 @@
             </a:prstGeom>
           </p:spPr>
         </p:pic>
+        <p:pic>
+          <p:nvPicPr>
+            <p:cNvPr id="74" name="그래픽 73" descr="선글라스 낀 얼굴(윤곽선) 단색으로 채워진">
+              <a:extLst>
+                <a:ext uri="{FF2B5EF4-FFF2-40B4-BE49-F238E27FC236}">
+                  <a16:creationId xmlns:a16="http://schemas.microsoft.com/office/drawing/2014/main" id="{BA8A24CE-81A1-4269-BC0A-98C489F6EB68}"/>
+                </a:ext>
+              </a:extLst>
+            </p:cNvPr>
+            <p:cNvPicPr>
+              <a:picLocks noChangeAspect="1"/>
+            </p:cNvPicPr>
+            <p:nvPr/>
+          </p:nvPicPr>
+          <p:blipFill>
+            <a:blip r:embed="rId3">
+              <a:extLst>
+                <a:ext uri="{28A0092B-C50C-407E-A947-70E740481C1C}">
+                  <a14:useLocalDpi xmlns:a14="http://schemas.microsoft.com/office/drawing/2010/main" val="0"/>
+                </a:ext>
+                <a:ext uri="{96DAC541-7B7A-43D3-8B79-37D633B846F1}">
+                  <asvg:svgBlip xmlns:asvg="http://schemas.microsoft.com/office/drawing/2016/SVG/main" r:embed="rId4"/>
+                </a:ext>
+              </a:extLst>
+            </a:blip>
+            <a:stretch>
+              <a:fillRect/>
+            </a:stretch>
+          </p:blipFill>
+          <p:spPr>
+            <a:xfrm>
+              <a:off x="7523774" y="2403675"/>
+              <a:ext cx="365759" cy="365759"/>
+            </a:xfrm>
+            <a:prstGeom prst="rect">
+              <a:avLst/>
+            </a:prstGeom>
+          </p:spPr>
+        </p:pic>
+        <p:cxnSp>
+          <p:nvCxnSpPr>
+            <p:cNvPr id="76" name="직선 연결선 75">
+              <a:extLst>
+                <a:ext uri="{FF2B5EF4-FFF2-40B4-BE49-F238E27FC236}">
+                  <a16:creationId xmlns:a16="http://schemas.microsoft.com/office/drawing/2014/main" id="{AC0D8D04-CB94-4532-8C8E-383CCD1236B0}"/>
+                </a:ext>
+              </a:extLst>
+            </p:cNvPr>
+            <p:cNvCxnSpPr>
+              <a:cxnSpLocks/>
+            </p:cNvCxnSpPr>
+            <p:nvPr/>
+          </p:nvCxnSpPr>
+          <p:spPr>
+            <a:xfrm flipH="1" flipV="1">
+              <a:off x="6420509" y="1467961"/>
+              <a:ext cx="2339055" cy="1"/>
+            </a:xfrm>
+            <a:prstGeom prst="line">
+              <a:avLst/>
+            </a:prstGeom>
+            <a:ln w="12700"/>
+          </p:spPr>
+          <p:style>
+            <a:lnRef idx="1">
+              <a:schemeClr val="dk1"/>
+            </a:lnRef>
+            <a:fillRef idx="0">
+              <a:schemeClr val="dk1"/>
+            </a:fillRef>
+            <a:effectRef idx="0">
+              <a:schemeClr val="dk1"/>
+            </a:effectRef>
+            <a:fontRef idx="minor">
+              <a:schemeClr val="tx1"/>
+            </a:fontRef>
+          </p:style>
+        </p:cxnSp>
       </p:grpSp>
     </p:spTree>
     <p:extLst>

--- a/Commuting_and_Working_InformationCheck/res/Domain_Model.pptx
+++ b/Commuting_and_Working_InformationCheck/res/Domain_Model.pptx
@@ -260,7 +260,7 @@
           <a:p>
             <a:fld id="{B40BB30E-8954-4CDA-8586-BF53F177F5A6}" type="datetimeFigureOut">
               <a:rPr lang="ko-KR" altLang="en-US" smtClean="0"/>
-              <a:t>2021-04-24</a:t>
+              <a:t>2021-05-06</a:t>
             </a:fld>
             <a:endParaRPr lang="ko-KR" altLang="en-US"/>
           </a:p>
@@ -458,7 +458,7 @@
           <a:p>
             <a:fld id="{B40BB30E-8954-4CDA-8586-BF53F177F5A6}" type="datetimeFigureOut">
               <a:rPr lang="ko-KR" altLang="en-US" smtClean="0"/>
-              <a:t>2021-04-24</a:t>
+              <a:t>2021-05-06</a:t>
             </a:fld>
             <a:endParaRPr lang="ko-KR" altLang="en-US"/>
           </a:p>
@@ -666,7 +666,7 @@
           <a:p>
             <a:fld id="{B40BB30E-8954-4CDA-8586-BF53F177F5A6}" type="datetimeFigureOut">
               <a:rPr lang="ko-KR" altLang="en-US" smtClean="0"/>
-              <a:t>2021-04-24</a:t>
+              <a:t>2021-05-06</a:t>
             </a:fld>
             <a:endParaRPr lang="ko-KR" altLang="en-US"/>
           </a:p>
@@ -864,7 +864,7 @@
           <a:p>
             <a:fld id="{B40BB30E-8954-4CDA-8586-BF53F177F5A6}" type="datetimeFigureOut">
               <a:rPr lang="ko-KR" altLang="en-US" smtClean="0"/>
-              <a:t>2021-04-24</a:t>
+              <a:t>2021-05-06</a:t>
             </a:fld>
             <a:endParaRPr lang="ko-KR" altLang="en-US"/>
           </a:p>
@@ -1139,7 +1139,7 @@
           <a:p>
             <a:fld id="{B40BB30E-8954-4CDA-8586-BF53F177F5A6}" type="datetimeFigureOut">
               <a:rPr lang="ko-KR" altLang="en-US" smtClean="0"/>
-              <a:t>2021-04-24</a:t>
+              <a:t>2021-05-06</a:t>
             </a:fld>
             <a:endParaRPr lang="ko-KR" altLang="en-US"/>
           </a:p>
@@ -1404,7 +1404,7 @@
           <a:p>
             <a:fld id="{B40BB30E-8954-4CDA-8586-BF53F177F5A6}" type="datetimeFigureOut">
               <a:rPr lang="ko-KR" altLang="en-US" smtClean="0"/>
-              <a:t>2021-04-24</a:t>
+              <a:t>2021-05-06</a:t>
             </a:fld>
             <a:endParaRPr lang="ko-KR" altLang="en-US"/>
           </a:p>
@@ -1816,7 +1816,7 @@
           <a:p>
             <a:fld id="{B40BB30E-8954-4CDA-8586-BF53F177F5A6}" type="datetimeFigureOut">
               <a:rPr lang="ko-KR" altLang="en-US" smtClean="0"/>
-              <a:t>2021-04-24</a:t>
+              <a:t>2021-05-06</a:t>
             </a:fld>
             <a:endParaRPr lang="ko-KR" altLang="en-US"/>
           </a:p>
@@ -1957,7 +1957,7 @@
           <a:p>
             <a:fld id="{B40BB30E-8954-4CDA-8586-BF53F177F5A6}" type="datetimeFigureOut">
               <a:rPr lang="ko-KR" altLang="en-US" smtClean="0"/>
-              <a:t>2021-04-24</a:t>
+              <a:t>2021-05-06</a:t>
             </a:fld>
             <a:endParaRPr lang="ko-KR" altLang="en-US"/>
           </a:p>
@@ -2070,7 +2070,7 @@
           <a:p>
             <a:fld id="{B40BB30E-8954-4CDA-8586-BF53F177F5A6}" type="datetimeFigureOut">
               <a:rPr lang="ko-KR" altLang="en-US" smtClean="0"/>
-              <a:t>2021-04-24</a:t>
+              <a:t>2021-05-06</a:t>
             </a:fld>
             <a:endParaRPr lang="ko-KR" altLang="en-US"/>
           </a:p>
@@ -2381,7 +2381,7 @@
           <a:p>
             <a:fld id="{B40BB30E-8954-4CDA-8586-BF53F177F5A6}" type="datetimeFigureOut">
               <a:rPr lang="ko-KR" altLang="en-US" smtClean="0"/>
-              <a:t>2021-04-24</a:t>
+              <a:t>2021-05-06</a:t>
             </a:fld>
             <a:endParaRPr lang="ko-KR" altLang="en-US"/>
           </a:p>
@@ -2669,7 +2669,7 @@
           <a:p>
             <a:fld id="{B40BB30E-8954-4CDA-8586-BF53F177F5A6}" type="datetimeFigureOut">
               <a:rPr lang="ko-KR" altLang="en-US" smtClean="0"/>
-              <a:t>2021-04-24</a:t>
+              <a:t>2021-05-06</a:t>
             </a:fld>
             <a:endParaRPr lang="ko-KR" altLang="en-US"/>
           </a:p>
@@ -2910,7 +2910,7 @@
           <a:p>
             <a:fld id="{B40BB30E-8954-4CDA-8586-BF53F177F5A6}" type="datetimeFigureOut">
               <a:rPr lang="ko-KR" altLang="en-US" smtClean="0"/>
-              <a:t>2021-04-24</a:t>
+              <a:t>2021-05-06</a:t>
             </a:fld>
             <a:endParaRPr lang="ko-KR" altLang="en-US"/>
           </a:p>
@@ -4586,10 +4586,10 @@
       </p:grpSpPr>
       <p:grpSp>
         <p:nvGrpSpPr>
-          <p:cNvPr id="69" name="그룹 68">
-            <a:extLst>
-              <a:ext uri="{FF2B5EF4-FFF2-40B4-BE49-F238E27FC236}">
-                <a16:creationId xmlns:a16="http://schemas.microsoft.com/office/drawing/2014/main" id="{49EA9002-01A6-4530-BCF9-470E1114F195}"/>
+          <p:cNvPr id="17" name="그룹 16">
+            <a:extLst>
+              <a:ext uri="{FF2B5EF4-FFF2-40B4-BE49-F238E27FC236}">
+                <a16:creationId xmlns:a16="http://schemas.microsoft.com/office/drawing/2014/main" id="{C7102F54-3703-4894-A2E0-0DA76330849B}"/>
               </a:ext>
             </a:extLst>
           </p:cNvPr>
@@ -4598,18 +4598,18 @@
         </p:nvGrpSpPr>
         <p:grpSpPr>
           <a:xfrm>
-            <a:off x="871518" y="590154"/>
-            <a:ext cx="10297962" cy="5677692"/>
-            <a:chOff x="871518" y="590154"/>
-            <a:chExt cx="10297962" cy="5677692"/>
+            <a:off x="851755" y="294309"/>
+            <a:ext cx="10488489" cy="5953956"/>
+            <a:chOff x="851755" y="294309"/>
+            <a:chExt cx="10488489" cy="5953956"/>
           </a:xfrm>
         </p:grpSpPr>
         <p:pic>
           <p:nvPicPr>
-            <p:cNvPr id="50" name="그림 49">
-              <a:extLst>
-                <a:ext uri="{FF2B5EF4-FFF2-40B4-BE49-F238E27FC236}">
-                  <a16:creationId xmlns:a16="http://schemas.microsoft.com/office/drawing/2014/main" id="{2FC3E56D-C797-404B-B929-13D0B75E47A2}"/>
+            <p:cNvPr id="3" name="그림 2">
+              <a:extLst>
+                <a:ext uri="{FF2B5EF4-FFF2-40B4-BE49-F238E27FC236}">
+                  <a16:creationId xmlns:a16="http://schemas.microsoft.com/office/drawing/2014/main" id="{BAC7E4BB-A67E-4A05-BD81-1D9DD942B797}"/>
                 </a:ext>
               </a:extLst>
             </p:cNvPr>
@@ -4632,8 +4632,8 @@
           </p:blipFill>
           <p:spPr>
             <a:xfrm>
-              <a:off x="871518" y="590154"/>
-              <a:ext cx="10297962" cy="5677692"/>
+              <a:off x="851755" y="294309"/>
+              <a:ext cx="10488489" cy="5953956"/>
             </a:xfrm>
             <a:prstGeom prst="rect">
               <a:avLst/>
@@ -4656,7 +4656,7 @@
           </p:nvCxnSpPr>
           <p:spPr>
             <a:xfrm>
-              <a:off x="1969934" y="3482340"/>
+              <a:off x="1893215" y="3217303"/>
               <a:ext cx="1099646" cy="1"/>
             </a:xfrm>
             <a:prstGeom prst="line">
@@ -4695,7 +4695,7 @@
           </p:nvCxnSpPr>
           <p:spPr>
             <a:xfrm flipV="1">
-              <a:off x="3452976" y="3782218"/>
+              <a:off x="3805314" y="3444226"/>
               <a:ext cx="0" cy="839203"/>
             </a:xfrm>
             <a:prstGeom prst="line">
@@ -4734,8 +4734,8 @@
           </p:nvCxnSpPr>
           <p:spPr>
             <a:xfrm>
-              <a:off x="4281811" y="4979685"/>
-              <a:ext cx="914076" cy="0"/>
+              <a:off x="4218724" y="4719626"/>
+              <a:ext cx="906949" cy="0"/>
             </a:xfrm>
             <a:prstGeom prst="line">
               <a:avLst/>
@@ -4773,8 +4773,8 @@
           </p:nvCxnSpPr>
           <p:spPr>
             <a:xfrm>
-              <a:off x="5005338" y="2105637"/>
-              <a:ext cx="0" cy="786234"/>
+              <a:off x="4955950" y="1918299"/>
+              <a:ext cx="0" cy="666457"/>
             </a:xfrm>
             <a:prstGeom prst="line">
               <a:avLst/>
@@ -4812,7 +4812,7 @@
           </p:nvCxnSpPr>
           <p:spPr>
             <a:xfrm>
-              <a:off x="6144525" y="3037669"/>
+              <a:off x="6177331" y="2702202"/>
               <a:ext cx="743" cy="1368037"/>
             </a:xfrm>
             <a:prstGeom prst="line">
@@ -4851,7 +4851,7 @@
           </p:nvCxnSpPr>
           <p:spPr>
             <a:xfrm flipH="1">
-              <a:off x="6344721" y="2820192"/>
+              <a:off x="6285923" y="2427651"/>
               <a:ext cx="1359280" cy="1"/>
             </a:xfrm>
             <a:prstGeom prst="line">
@@ -4890,7 +4890,7 @@
           </p:nvCxnSpPr>
           <p:spPr>
             <a:xfrm flipH="1">
-              <a:off x="9069153" y="2819949"/>
+              <a:off x="9027208" y="2593493"/>
               <a:ext cx="1224139" cy="0"/>
             </a:xfrm>
             <a:prstGeom prst="line">
@@ -4929,7 +4929,7 @@
           </p:nvCxnSpPr>
           <p:spPr>
             <a:xfrm>
-              <a:off x="5005338" y="2891871"/>
+              <a:off x="4952329" y="2584756"/>
               <a:ext cx="583275" cy="0"/>
             </a:xfrm>
             <a:prstGeom prst="line">
@@ -4968,7 +4968,7 @@
           </p:nvCxnSpPr>
           <p:spPr>
             <a:xfrm flipH="1">
-              <a:off x="4251334" y="2115737"/>
+              <a:off x="4201946" y="1927068"/>
               <a:ext cx="754004" cy="1"/>
             </a:xfrm>
             <a:prstGeom prst="line">
@@ -5007,7 +5007,7 @@
           </p:nvCxnSpPr>
           <p:spPr>
             <a:xfrm>
-              <a:off x="4068871" y="1476350"/>
+              <a:off x="4018747" y="1161612"/>
               <a:ext cx="0" cy="486695"/>
             </a:xfrm>
             <a:prstGeom prst="line">
@@ -5041,13 +5041,12 @@
             </p:cNvPr>
             <p:cNvCxnSpPr>
               <a:cxnSpLocks/>
-              <a:endCxn id="30" idx="2"/>
             </p:cNvCxnSpPr>
             <p:nvPr/>
           </p:nvCxnSpPr>
           <p:spPr>
             <a:xfrm>
-              <a:off x="4068871" y="1476350"/>
+              <a:off x="4010358" y="1161612"/>
               <a:ext cx="1519743" cy="0"/>
             </a:xfrm>
             <a:prstGeom prst="line">
@@ -5086,7 +5085,7 @@
           </p:nvCxnSpPr>
           <p:spPr>
             <a:xfrm>
-              <a:off x="8759563" y="1460309"/>
+              <a:off x="8688704" y="1145192"/>
               <a:ext cx="0" cy="1099581"/>
             </a:xfrm>
             <a:prstGeom prst="line">
@@ -5123,7 +5122,7 @@
           </p:nvSpPr>
           <p:spPr>
             <a:xfrm rot="5400000">
-              <a:off x="2700174" y="4274901"/>
+              <a:off x="3024526" y="3938461"/>
               <a:ext cx="1280531" cy="261610"/>
             </a:xfrm>
             <a:prstGeom prst="rect">
@@ -5158,7 +5157,7 @@
           </p:nvSpPr>
           <p:spPr>
             <a:xfrm>
-              <a:off x="4263493" y="4686188"/>
+              <a:off x="4249570" y="4394574"/>
               <a:ext cx="1280531" cy="261610"/>
             </a:xfrm>
             <a:prstGeom prst="rect">
@@ -5193,7 +5192,7 @@
           </p:nvSpPr>
           <p:spPr>
             <a:xfrm rot="16200000">
-              <a:off x="5623984" y="3332216"/>
+              <a:off x="5374405" y="2932435"/>
               <a:ext cx="1280531" cy="261610"/>
             </a:xfrm>
             <a:prstGeom prst="rect">
@@ -5228,7 +5227,7 @@
           </p:nvSpPr>
           <p:spPr>
             <a:xfrm>
-              <a:off x="6388782" y="2589117"/>
+              <a:off x="6349649" y="2146727"/>
               <a:ext cx="1784390" cy="230832"/>
             </a:xfrm>
             <a:prstGeom prst="rect">
@@ -5333,7 +5332,7 @@
           </p:nvSpPr>
           <p:spPr>
             <a:xfrm>
-              <a:off x="4332570" y="1854340"/>
+              <a:off x="4284475" y="1633571"/>
               <a:ext cx="651076" cy="261610"/>
             </a:xfrm>
             <a:prstGeom prst="rect">
@@ -5385,7 +5384,7 @@
           </p:blipFill>
           <p:spPr>
             <a:xfrm>
-              <a:off x="2886700" y="3063241"/>
+              <a:off x="2828853" y="2729771"/>
               <a:ext cx="365759" cy="365759"/>
             </a:xfrm>
             <a:prstGeom prst="rect">
@@ -5424,7 +5423,7 @@
           </p:blipFill>
           <p:spPr>
             <a:xfrm>
-              <a:off x="5405734" y="2526112"/>
+              <a:off x="5306607" y="2155382"/>
               <a:ext cx="365759" cy="365759"/>
             </a:xfrm>
             <a:prstGeom prst="rect">
@@ -5463,8 +5462,8 @@
           </p:blipFill>
           <p:spPr>
             <a:xfrm>
-              <a:off x="5405734" y="1110591"/>
-              <a:ext cx="365759" cy="365759"/>
+              <a:off x="5362858" y="757165"/>
+              <a:ext cx="365758" cy="365759"/>
             </a:xfrm>
             <a:prstGeom prst="rect">
               <a:avLst/>
@@ -5541,7 +5540,7 @@
           </p:blipFill>
           <p:spPr>
             <a:xfrm>
-              <a:off x="5037474" y="4283429"/>
+              <a:off x="5007237" y="3958045"/>
               <a:ext cx="325384" cy="325384"/>
             </a:xfrm>
             <a:prstGeom prst="rect">
@@ -5580,7 +5579,7 @@
           </p:blipFill>
           <p:spPr>
             <a:xfrm>
-              <a:off x="2992861" y="1822453"/>
+              <a:off x="2936168" y="1460309"/>
               <a:ext cx="325384" cy="325384"/>
             </a:xfrm>
             <a:prstGeom prst="rect">
@@ -5619,7 +5618,7 @@
           </p:blipFill>
           <p:spPr>
             <a:xfrm>
-              <a:off x="7523774" y="2403675"/>
+              <a:off x="7462324" y="2061893"/>
               <a:ext cx="365759" cy="365759"/>
             </a:xfrm>
             <a:prstGeom prst="rect">
@@ -5643,7 +5642,7 @@
           </p:nvCxnSpPr>
           <p:spPr>
             <a:xfrm flipH="1" flipV="1">
-              <a:off x="6420509" y="1467961"/>
+              <a:off x="6349649" y="1159957"/>
               <a:ext cx="2339055" cy="1"/>
             </a:xfrm>
             <a:prstGeom prst="line">
@@ -5666,6 +5665,158 @@
             </a:fontRef>
           </p:style>
         </p:cxnSp>
+        <p:cxnSp>
+          <p:nvCxnSpPr>
+            <p:cNvPr id="36" name="직선 연결선 35">
+              <a:extLst>
+                <a:ext uri="{FF2B5EF4-FFF2-40B4-BE49-F238E27FC236}">
+                  <a16:creationId xmlns:a16="http://schemas.microsoft.com/office/drawing/2014/main" id="{7CDA0D88-ADD6-425E-890A-9AADB63B7D58}"/>
+                </a:ext>
+              </a:extLst>
+            </p:cNvPr>
+            <p:cNvCxnSpPr>
+              <a:cxnSpLocks/>
+            </p:cNvCxnSpPr>
+            <p:nvPr/>
+          </p:nvCxnSpPr>
+          <p:spPr>
+            <a:xfrm>
+              <a:off x="6285923" y="2593493"/>
+              <a:ext cx="785996" cy="0"/>
+            </a:xfrm>
+            <a:prstGeom prst="line">
+              <a:avLst/>
+            </a:prstGeom>
+            <a:ln w="12700"/>
+          </p:spPr>
+          <p:style>
+            <a:lnRef idx="1">
+              <a:schemeClr val="dk1"/>
+            </a:lnRef>
+            <a:fillRef idx="0">
+              <a:schemeClr val="dk1"/>
+            </a:fillRef>
+            <a:effectRef idx="0">
+              <a:schemeClr val="dk1"/>
+            </a:effectRef>
+            <a:fontRef idx="minor">
+              <a:schemeClr val="tx1"/>
+            </a:fontRef>
+          </p:style>
+        </p:cxnSp>
+        <p:cxnSp>
+          <p:nvCxnSpPr>
+            <p:cNvPr id="40" name="직선 연결선 39">
+              <a:extLst>
+                <a:ext uri="{FF2B5EF4-FFF2-40B4-BE49-F238E27FC236}">
+                  <a16:creationId xmlns:a16="http://schemas.microsoft.com/office/drawing/2014/main" id="{67D5CC80-5325-434A-82BE-1A6DE29D1E21}"/>
+                </a:ext>
+              </a:extLst>
+            </p:cNvPr>
+            <p:cNvCxnSpPr>
+              <a:cxnSpLocks/>
+            </p:cNvCxnSpPr>
+            <p:nvPr/>
+          </p:nvCxnSpPr>
+          <p:spPr>
+            <a:xfrm>
+              <a:off x="7071919" y="2584756"/>
+              <a:ext cx="0" cy="2397957"/>
+            </a:xfrm>
+            <a:prstGeom prst="line">
+              <a:avLst/>
+            </a:prstGeom>
+            <a:ln w="12700"/>
+          </p:spPr>
+          <p:style>
+            <a:lnRef idx="1">
+              <a:schemeClr val="dk1"/>
+            </a:lnRef>
+            <a:fillRef idx="0">
+              <a:schemeClr val="dk1"/>
+            </a:fillRef>
+            <a:effectRef idx="0">
+              <a:schemeClr val="dk1"/>
+            </a:effectRef>
+            <a:fontRef idx="minor">
+              <a:schemeClr val="tx1"/>
+            </a:fontRef>
+          </p:style>
+        </p:cxnSp>
+        <p:cxnSp>
+          <p:nvCxnSpPr>
+            <p:cNvPr id="43" name="직선 연결선 42">
+              <a:extLst>
+                <a:ext uri="{FF2B5EF4-FFF2-40B4-BE49-F238E27FC236}">
+                  <a16:creationId xmlns:a16="http://schemas.microsoft.com/office/drawing/2014/main" id="{F8A7CF32-A94C-4203-AC8E-A646E409E2A1}"/>
+                </a:ext>
+              </a:extLst>
+            </p:cNvPr>
+            <p:cNvCxnSpPr>
+              <a:cxnSpLocks/>
+            </p:cNvCxnSpPr>
+            <p:nvPr/>
+          </p:nvCxnSpPr>
+          <p:spPr>
+            <a:xfrm>
+              <a:off x="7071919" y="4982713"/>
+              <a:ext cx="1101253" cy="8737"/>
+            </a:xfrm>
+            <a:prstGeom prst="line">
+              <a:avLst/>
+            </a:prstGeom>
+            <a:ln w="12700"/>
+          </p:spPr>
+          <p:style>
+            <a:lnRef idx="1">
+              <a:schemeClr val="dk1"/>
+            </a:lnRef>
+            <a:fillRef idx="0">
+              <a:schemeClr val="dk1"/>
+            </a:fillRef>
+            <a:effectRef idx="0">
+              <a:schemeClr val="dk1"/>
+            </a:effectRef>
+            <a:fontRef idx="minor">
+              <a:schemeClr val="tx1"/>
+            </a:fontRef>
+          </p:style>
+        </p:cxnSp>
+        <p:sp>
+          <p:nvSpPr>
+            <p:cNvPr id="46" name="TextBox 45">
+              <a:extLst>
+                <a:ext uri="{FF2B5EF4-FFF2-40B4-BE49-F238E27FC236}">
+                  <a16:creationId xmlns:a16="http://schemas.microsoft.com/office/drawing/2014/main" id="{57EA86BD-B081-4E55-84D7-87048B0E2CE1}"/>
+                </a:ext>
+              </a:extLst>
+            </p:cNvPr>
+            <p:cNvSpPr txBox="1"/>
+            <p:nvPr/>
+          </p:nvSpPr>
+          <p:spPr>
+            <a:xfrm rot="5400000">
+              <a:off x="6904310" y="3586311"/>
+              <a:ext cx="706248" cy="261610"/>
+            </a:xfrm>
+            <a:prstGeom prst="rect">
+              <a:avLst/>
+            </a:prstGeom>
+            <a:noFill/>
+          </p:spPr>
+          <p:txBody>
+            <a:bodyPr wrap="square" rtlCol="0">
+              <a:spAutoFit/>
+            </a:bodyPr>
+            <a:lstStyle/>
+            <a:p>
+              <a:r>
+                <a:rPr lang="ko-KR" altLang="en-US" sz="1100" dirty="0"/>
+                <a:t>알림▶</a:t>
+              </a:r>
+            </a:p>
+          </p:txBody>
+        </p:sp>
       </p:grpSp>
     </p:spTree>
     <p:extLst>
